--- a/02.프로젝트/01.인트라넷/01.설계/인트라넷 프로젝트.pptx
+++ b/02.프로젝트/01.인트라넷/01.설계/인트라넷 프로젝트.pptx
@@ -259,7 +259,7 @@
                 <a:ea typeface="Noto Sans KR" panose="020B0500000000000000" pitchFamily="34" charset="-127"/>
                 <a:cs typeface="Arial" panose="00000500000000000000" charset="-122"/>
               </a:rPr>
-              <a:t>2024/1/29</a:t>
+              <a:t>2025/1/12</a:t>
             </a:fld>
             <a:endParaRPr lang="zh-CN" altLang="en-US" dirty="0">
               <a:latin typeface="Noto Sans KR" panose="020B0500000000000000" pitchFamily="34" charset="-127"/>
@@ -449,7 +449,7 @@
             <a:fld id="{D2A48B96-639E-45A3-A0BA-2464DFDB1FAA}" type="datetimeFigureOut">
               <a:rPr lang="zh-CN" altLang="en-US" smtClean="0"/>
               <a:pPr/>
-              <a:t>2024/1/29</a:t>
+              <a:t>2025/1/12</a:t>
             </a:fld>
             <a:endParaRPr lang="zh-CN" altLang="en-US" dirty="0"/>
           </a:p>
@@ -869,7 +869,7 @@
           <a:p>
             <a:fld id="{760FBDFE-C587-4B4C-A407-44438C67B59E}" type="datetimeFigureOut">
               <a:rPr lang="zh-CN" altLang="en-US" smtClean="0"/>
-              <a:t>2024/1/29</a:t>
+              <a:t>2025/1/12</a:t>
             </a:fld>
             <a:endParaRPr lang="zh-CN" altLang="en-US"/>
           </a:p>
@@ -1039,7 +1039,7 @@
           <a:p>
             <a:fld id="{760FBDFE-C587-4B4C-A407-44438C67B59E}" type="datetimeFigureOut">
               <a:rPr lang="zh-CN" altLang="en-US" smtClean="0"/>
-              <a:t>2024/1/29</a:t>
+              <a:t>2025/1/12</a:t>
             </a:fld>
             <a:endParaRPr lang="zh-CN" altLang="en-US"/>
           </a:p>
@@ -1219,7 +1219,7 @@
           <a:p>
             <a:fld id="{760FBDFE-C587-4B4C-A407-44438C67B59E}" type="datetimeFigureOut">
               <a:rPr lang="zh-CN" altLang="en-US" smtClean="0"/>
-              <a:t>2024/1/29</a:t>
+              <a:t>2025/1/12</a:t>
             </a:fld>
             <a:endParaRPr lang="zh-CN" altLang="en-US"/>
           </a:p>
@@ -1381,7 +1381,7 @@
           <a:p>
             <a:fld id="{760FBDFE-C587-4B4C-A407-44438C67B59E}" type="datetimeFigureOut">
               <a:rPr lang="zh-CN" altLang="en-US" smtClean="0"/>
-              <a:t>2024/1/29</a:t>
+              <a:t>2025/1/12</a:t>
             </a:fld>
             <a:endParaRPr lang="zh-CN" altLang="en-US"/>
           </a:p>
@@ -1569,7 +1569,7 @@
           <a:p>
             <a:fld id="{760FBDFE-C587-4B4C-A407-44438C67B59E}" type="datetimeFigureOut">
               <a:rPr lang="zh-CN" altLang="en-US" smtClean="0"/>
-              <a:t>2024/1/29</a:t>
+              <a:t>2025/1/12</a:t>
             </a:fld>
             <a:endParaRPr lang="zh-CN" altLang="en-US"/>
           </a:p>
@@ -1815,7 +1815,7 @@
           <a:p>
             <a:fld id="{760FBDFE-C587-4B4C-A407-44438C67B59E}" type="datetimeFigureOut">
               <a:rPr lang="zh-CN" altLang="en-US" smtClean="0"/>
-              <a:t>2024/1/29</a:t>
+              <a:t>2025/1/12</a:t>
             </a:fld>
             <a:endParaRPr lang="zh-CN" altLang="en-US"/>
           </a:p>
@@ -2047,7 +2047,7 @@
           <a:p>
             <a:fld id="{760FBDFE-C587-4B4C-A407-44438C67B59E}" type="datetimeFigureOut">
               <a:rPr lang="zh-CN" altLang="en-US" smtClean="0"/>
-              <a:t>2024/1/29</a:t>
+              <a:t>2025/1/12</a:t>
             </a:fld>
             <a:endParaRPr lang="zh-CN" altLang="en-US"/>
           </a:p>
@@ -2414,7 +2414,7 @@
           <a:p>
             <a:fld id="{760FBDFE-C587-4B4C-A407-44438C67B59E}" type="datetimeFigureOut">
               <a:rPr lang="zh-CN" altLang="en-US" smtClean="0"/>
-              <a:t>2024/1/29</a:t>
+              <a:t>2025/1/12</a:t>
             </a:fld>
             <a:endParaRPr lang="zh-CN" altLang="en-US"/>
           </a:p>
@@ -2532,7 +2532,7 @@
           <a:p>
             <a:fld id="{760FBDFE-C587-4B4C-A407-44438C67B59E}" type="datetimeFigureOut">
               <a:rPr lang="zh-CN" altLang="en-US" smtClean="0"/>
-              <a:t>2024/1/29</a:t>
+              <a:t>2025/1/12</a:t>
             </a:fld>
             <a:endParaRPr lang="zh-CN" altLang="en-US"/>
           </a:p>
@@ -2627,7 +2627,7 @@
           <a:p>
             <a:fld id="{760FBDFE-C587-4B4C-A407-44438C67B59E}" type="datetimeFigureOut">
               <a:rPr lang="zh-CN" altLang="en-US" smtClean="0"/>
-              <a:t>2024/1/29</a:t>
+              <a:t>2025/1/12</a:t>
             </a:fld>
             <a:endParaRPr lang="zh-CN" altLang="en-US"/>
           </a:p>
@@ -2904,7 +2904,7 @@
           <a:p>
             <a:fld id="{760FBDFE-C587-4B4C-A407-44438C67B59E}" type="datetimeFigureOut">
               <a:rPr lang="zh-CN" altLang="en-US" smtClean="0"/>
-              <a:t>2024/1/29</a:t>
+              <a:t>2025/1/12</a:t>
             </a:fld>
             <a:endParaRPr lang="zh-CN" altLang="en-US"/>
           </a:p>
@@ -3161,7 +3161,7 @@
           <a:p>
             <a:fld id="{760FBDFE-C587-4B4C-A407-44438C67B59E}" type="datetimeFigureOut">
               <a:rPr lang="zh-CN" altLang="en-US" smtClean="0"/>
-              <a:t>2024/1/29</a:t>
+              <a:t>2025/1/12</a:t>
             </a:fld>
             <a:endParaRPr lang="zh-CN" altLang="en-US"/>
           </a:p>
@@ -3376,7 +3376,7 @@
             <a:fld id="{760FBDFE-C587-4B4C-A407-44438C67B59E}" type="datetimeFigureOut">
               <a:rPr lang="zh-CN" altLang="en-US" smtClean="0"/>
               <a:pPr/>
-              <a:t>2024/1/29</a:t>
+              <a:t>2025/1/12</a:t>
             </a:fld>
             <a:endParaRPr lang="zh-CN" altLang="en-US" dirty="0"/>
           </a:p>
@@ -6122,36 +6122,6 @@
           <a:chExt cx="0" cy="0"/>
         </a:xfrm>
       </p:grpSpPr>
-      <p:pic>
-        <p:nvPicPr>
-          <p:cNvPr id="8" name="그림 7">
-            <a:extLst>
-              <a:ext uri="{FF2B5EF4-FFF2-40B4-BE49-F238E27FC236}">
-                <a16:creationId xmlns:a16="http://schemas.microsoft.com/office/drawing/2014/main" id="{CB015339-653E-82DB-2DE0-A2766AE9B4B7}"/>
-              </a:ext>
-            </a:extLst>
-          </p:cNvPr>
-          <p:cNvPicPr>
-            <a:picLocks noChangeAspect="1"/>
-          </p:cNvPicPr>
-          <p:nvPr/>
-        </p:nvPicPr>
-        <p:blipFill>
-          <a:blip r:embed="rId3"/>
-          <a:stretch>
-            <a:fillRect/>
-          </a:stretch>
-        </p:blipFill>
-        <p:spPr>
-          <a:xfrm>
-            <a:off x="1990241" y="2327183"/>
-            <a:ext cx="7870231" cy="3861332"/>
-          </a:xfrm>
-          <a:prstGeom prst="rect">
-            <a:avLst/>
-          </a:prstGeom>
-        </p:spPr>
-      </p:pic>
       <p:sp>
         <p:nvSpPr>
           <p:cNvPr id="6" name="직사각형 5">
@@ -7289,36 +7259,6 @@
           <a:chExt cx="0" cy="0"/>
         </a:xfrm>
       </p:grpSpPr>
-      <p:pic>
-        <p:nvPicPr>
-          <p:cNvPr id="8" name="그림 7">
-            <a:extLst>
-              <a:ext uri="{FF2B5EF4-FFF2-40B4-BE49-F238E27FC236}">
-                <a16:creationId xmlns:a16="http://schemas.microsoft.com/office/drawing/2014/main" id="{50918530-6267-BC8A-24D4-F3F06E88BC51}"/>
-              </a:ext>
-            </a:extLst>
-          </p:cNvPr>
-          <p:cNvPicPr>
-            <a:picLocks noChangeAspect="1"/>
-          </p:cNvPicPr>
-          <p:nvPr/>
-        </p:nvPicPr>
-        <p:blipFill>
-          <a:blip r:embed="rId3"/>
-          <a:stretch>
-            <a:fillRect/>
-          </a:stretch>
-        </p:blipFill>
-        <p:spPr>
-          <a:xfrm>
-            <a:off x="1532202" y="2473487"/>
-            <a:ext cx="8360229" cy="4044930"/>
-          </a:xfrm>
-          <a:prstGeom prst="rect">
-            <a:avLst/>
-          </a:prstGeom>
-        </p:spPr>
-      </p:pic>
       <p:sp>
         <p:nvSpPr>
           <p:cNvPr id="6" name="직사각형 5">
@@ -8700,36 +8640,6 @@
           <a:chExt cx="0" cy="0"/>
         </a:xfrm>
       </p:grpSpPr>
-      <p:pic>
-        <p:nvPicPr>
-          <p:cNvPr id="10" name="그림 9">
-            <a:extLst>
-              <a:ext uri="{FF2B5EF4-FFF2-40B4-BE49-F238E27FC236}">
-                <a16:creationId xmlns:a16="http://schemas.microsoft.com/office/drawing/2014/main" id="{669260B1-1137-CF1F-68DD-DB539678A2A9}"/>
-              </a:ext>
-            </a:extLst>
-          </p:cNvPr>
-          <p:cNvPicPr>
-            <a:picLocks noChangeAspect="1"/>
-          </p:cNvPicPr>
-          <p:nvPr/>
-        </p:nvPicPr>
-        <p:blipFill>
-          <a:blip r:embed="rId3"/>
-          <a:stretch>
-            <a:fillRect/>
-          </a:stretch>
-        </p:blipFill>
-        <p:spPr>
-          <a:xfrm>
-            <a:off x="7521489" y="2670048"/>
-            <a:ext cx="4146255" cy="2195076"/>
-          </a:xfrm>
-          <a:prstGeom prst="rect">
-            <a:avLst/>
-          </a:prstGeom>
-        </p:spPr>
-      </p:pic>
       <p:sp>
         <p:nvSpPr>
           <p:cNvPr id="6" name="직사각형 5">
@@ -9784,36 +9694,6 @@
           </a:p>
         </p:txBody>
       </p:sp>
-      <p:pic>
-        <p:nvPicPr>
-          <p:cNvPr id="8" name="그림 7">
-            <a:extLst>
-              <a:ext uri="{FF2B5EF4-FFF2-40B4-BE49-F238E27FC236}">
-                <a16:creationId xmlns:a16="http://schemas.microsoft.com/office/drawing/2014/main" id="{F17BABEB-4FA6-3345-AD57-B62B08457D8D}"/>
-              </a:ext>
-            </a:extLst>
-          </p:cNvPr>
-          <p:cNvPicPr>
-            <a:picLocks noChangeAspect="1"/>
-          </p:cNvPicPr>
-          <p:nvPr/>
-        </p:nvPicPr>
-        <p:blipFill>
-          <a:blip r:embed="rId4"/>
-          <a:stretch>
-            <a:fillRect/>
-          </a:stretch>
-        </p:blipFill>
-        <p:spPr>
-          <a:xfrm>
-            <a:off x="884875" y="2853855"/>
-            <a:ext cx="6146861" cy="3190329"/>
-          </a:xfrm>
-          <a:prstGeom prst="rect">
-            <a:avLst/>
-          </a:prstGeom>
-        </p:spPr>
-      </p:pic>
     </p:spTree>
     <p:custDataLst>
       <p:tags r:id="rId1"/>
@@ -10731,36 +10611,6 @@
           </a:p>
         </p:txBody>
       </p:sp>
-      <p:pic>
-        <p:nvPicPr>
-          <p:cNvPr id="9" name="그림 8">
-            <a:extLst>
-              <a:ext uri="{FF2B5EF4-FFF2-40B4-BE49-F238E27FC236}">
-                <a16:creationId xmlns:a16="http://schemas.microsoft.com/office/drawing/2014/main" id="{A155425A-7C46-1DD3-25F4-72C7C1708043}"/>
-              </a:ext>
-            </a:extLst>
-          </p:cNvPr>
-          <p:cNvPicPr>
-            <a:picLocks noChangeAspect="1"/>
-          </p:cNvPicPr>
-          <p:nvPr/>
-        </p:nvPicPr>
-        <p:blipFill>
-          <a:blip r:embed="rId3"/>
-          <a:stretch>
-            <a:fillRect/>
-          </a:stretch>
-        </p:blipFill>
-        <p:spPr>
-          <a:xfrm>
-            <a:off x="884875" y="3219615"/>
-            <a:ext cx="8857861" cy="2911151"/>
-          </a:xfrm>
-          <a:prstGeom prst="rect">
-            <a:avLst/>
-          </a:prstGeom>
-        </p:spPr>
-      </p:pic>
     </p:spTree>
     <p:custDataLst>
       <p:tags r:id="rId1"/>
@@ -11866,66 +11716,6 @@
           </a:p>
         </p:txBody>
       </p:sp>
-      <p:pic>
-        <p:nvPicPr>
-          <p:cNvPr id="8" name="그림 7">
-            <a:extLst>
-              <a:ext uri="{FF2B5EF4-FFF2-40B4-BE49-F238E27FC236}">
-                <a16:creationId xmlns:a16="http://schemas.microsoft.com/office/drawing/2014/main" id="{CA51A3F2-96E6-325D-BB1F-217860E083C1}"/>
-              </a:ext>
-            </a:extLst>
-          </p:cNvPr>
-          <p:cNvPicPr>
-            <a:picLocks noChangeAspect="1"/>
-          </p:cNvPicPr>
-          <p:nvPr/>
-        </p:nvPicPr>
-        <p:blipFill>
-          <a:blip r:embed="rId3"/>
-          <a:stretch>
-            <a:fillRect/>
-          </a:stretch>
-        </p:blipFill>
-        <p:spPr>
-          <a:xfrm>
-            <a:off x="884875" y="3168140"/>
-            <a:ext cx="6640637" cy="2998237"/>
-          </a:xfrm>
-          <a:prstGeom prst="rect">
-            <a:avLst/>
-          </a:prstGeom>
-        </p:spPr>
-      </p:pic>
-      <p:pic>
-        <p:nvPicPr>
-          <p:cNvPr id="10" name="그림 9">
-            <a:extLst>
-              <a:ext uri="{FF2B5EF4-FFF2-40B4-BE49-F238E27FC236}">
-                <a16:creationId xmlns:a16="http://schemas.microsoft.com/office/drawing/2014/main" id="{AF6D0CAB-316D-336F-FF56-7FD51BF19436}"/>
-              </a:ext>
-            </a:extLst>
-          </p:cNvPr>
-          <p:cNvPicPr>
-            <a:picLocks noChangeAspect="1"/>
-          </p:cNvPicPr>
-          <p:nvPr/>
-        </p:nvPicPr>
-        <p:blipFill>
-          <a:blip r:embed="rId4"/>
-          <a:stretch>
-            <a:fillRect/>
-          </a:stretch>
-        </p:blipFill>
-        <p:spPr>
-          <a:xfrm>
-            <a:off x="7691062" y="2353266"/>
-            <a:ext cx="4105469" cy="2313992"/>
-          </a:xfrm>
-          <a:prstGeom prst="rect">
-            <a:avLst/>
-          </a:prstGeom>
-        </p:spPr>
-      </p:pic>
     </p:spTree>
     <p:custDataLst>
       <p:tags r:id="rId1"/>
@@ -11971,36 +11761,6 @@
           <a:chExt cx="0" cy="0"/>
         </a:xfrm>
       </p:grpSpPr>
-      <p:pic>
-        <p:nvPicPr>
-          <p:cNvPr id="10" name="그림 9">
-            <a:extLst>
-              <a:ext uri="{FF2B5EF4-FFF2-40B4-BE49-F238E27FC236}">
-                <a16:creationId xmlns:a16="http://schemas.microsoft.com/office/drawing/2014/main" id="{A6C35145-39D5-0A51-C620-B094F6BA017F}"/>
-              </a:ext>
-            </a:extLst>
-          </p:cNvPr>
-          <p:cNvPicPr>
-            <a:picLocks noChangeAspect="1"/>
-          </p:cNvPicPr>
-          <p:nvPr/>
-        </p:nvPicPr>
-        <p:blipFill>
-          <a:blip r:embed="rId3"/>
-          <a:stretch>
-            <a:fillRect/>
-          </a:stretch>
-        </p:blipFill>
-        <p:spPr>
-          <a:xfrm>
-            <a:off x="7457482" y="2432286"/>
-            <a:ext cx="4456489" cy="2653053"/>
-          </a:xfrm>
-          <a:prstGeom prst="rect">
-            <a:avLst/>
-          </a:prstGeom>
-        </p:spPr>
-      </p:pic>
       <p:sp>
         <p:nvSpPr>
           <p:cNvPr id="6" name="직사각형 5">
@@ -13180,36 +12940,6 @@
           </a:p>
         </p:txBody>
       </p:sp>
-      <p:pic>
-        <p:nvPicPr>
-          <p:cNvPr id="8" name="그림 7">
-            <a:extLst>
-              <a:ext uri="{FF2B5EF4-FFF2-40B4-BE49-F238E27FC236}">
-                <a16:creationId xmlns:a16="http://schemas.microsoft.com/office/drawing/2014/main" id="{6749421C-DE63-0223-DE44-61FB730693A1}"/>
-              </a:ext>
-            </a:extLst>
-          </p:cNvPr>
-          <p:cNvPicPr>
-            <a:picLocks noChangeAspect="1"/>
-          </p:cNvPicPr>
-          <p:nvPr/>
-        </p:nvPicPr>
-        <p:blipFill>
-          <a:blip r:embed="rId4"/>
-          <a:stretch>
-            <a:fillRect/>
-          </a:stretch>
-        </p:blipFill>
-        <p:spPr>
-          <a:xfrm>
-            <a:off x="884875" y="3228757"/>
-            <a:ext cx="6311453" cy="2830286"/>
-          </a:xfrm>
-          <a:prstGeom prst="rect">
-            <a:avLst/>
-          </a:prstGeom>
-        </p:spPr>
-      </p:pic>
     </p:spTree>
     <p:custDataLst>
       <p:tags r:id="rId1"/>
@@ -13255,36 +12985,6 @@
           <a:chExt cx="0" cy="0"/>
         </a:xfrm>
       </p:grpSpPr>
-      <p:pic>
-        <p:nvPicPr>
-          <p:cNvPr id="12" name="그림 11">
-            <a:extLst>
-              <a:ext uri="{FF2B5EF4-FFF2-40B4-BE49-F238E27FC236}">
-                <a16:creationId xmlns:a16="http://schemas.microsoft.com/office/drawing/2014/main" id="{6C24E2FE-BC1C-C181-07FE-EF153392F588}"/>
-              </a:ext>
-            </a:extLst>
-          </p:cNvPr>
-          <p:cNvPicPr>
-            <a:picLocks noChangeAspect="1"/>
-          </p:cNvPicPr>
-          <p:nvPr/>
-        </p:nvPicPr>
-        <p:blipFill>
-          <a:blip r:embed="rId3"/>
-          <a:stretch>
-            <a:fillRect/>
-          </a:stretch>
-        </p:blipFill>
-        <p:spPr>
-          <a:xfrm>
-            <a:off x="7559040" y="1672093"/>
-            <a:ext cx="4154094" cy="1405812"/>
-          </a:xfrm>
-          <a:prstGeom prst="rect">
-            <a:avLst/>
-          </a:prstGeom>
-        </p:spPr>
-      </p:pic>
       <p:sp>
         <p:nvSpPr>
           <p:cNvPr id="6" name="직사각형 5">
@@ -14289,66 +13989,6 @@
           </a:p>
         </p:txBody>
       </p:sp>
-      <p:pic>
-        <p:nvPicPr>
-          <p:cNvPr id="10" name="그림 9">
-            <a:extLst>
-              <a:ext uri="{FF2B5EF4-FFF2-40B4-BE49-F238E27FC236}">
-                <a16:creationId xmlns:a16="http://schemas.microsoft.com/office/drawing/2014/main" id="{83F5EC63-13CD-1A4A-2FA8-D788E8239D72}"/>
-              </a:ext>
-            </a:extLst>
-          </p:cNvPr>
-          <p:cNvPicPr>
-            <a:picLocks noChangeAspect="1"/>
-          </p:cNvPicPr>
-          <p:nvPr/>
-        </p:nvPicPr>
-        <p:blipFill>
-          <a:blip r:embed="rId4"/>
-          <a:stretch>
-            <a:fillRect/>
-          </a:stretch>
-        </p:blipFill>
-        <p:spPr>
-          <a:xfrm>
-            <a:off x="884875" y="2846226"/>
-            <a:ext cx="6375461" cy="3517996"/>
-          </a:xfrm>
-          <a:prstGeom prst="rect">
-            <a:avLst/>
-          </a:prstGeom>
-        </p:spPr>
-      </p:pic>
-      <p:pic>
-        <p:nvPicPr>
-          <p:cNvPr id="14" name="그림 13">
-            <a:extLst>
-              <a:ext uri="{FF2B5EF4-FFF2-40B4-BE49-F238E27FC236}">
-                <a16:creationId xmlns:a16="http://schemas.microsoft.com/office/drawing/2014/main" id="{7D4B1A0B-9ED9-8787-6C03-FBC0DB76E5FB}"/>
-              </a:ext>
-            </a:extLst>
-          </p:cNvPr>
-          <p:cNvPicPr>
-            <a:picLocks noChangeAspect="1"/>
-          </p:cNvPicPr>
-          <p:nvPr/>
-        </p:nvPicPr>
-        <p:blipFill>
-          <a:blip r:embed="rId5"/>
-          <a:stretch>
-            <a:fillRect/>
-          </a:stretch>
-        </p:blipFill>
-        <p:spPr>
-          <a:xfrm>
-            <a:off x="7559040" y="4163500"/>
-            <a:ext cx="3126061" cy="1545566"/>
-          </a:xfrm>
-          <a:prstGeom prst="rect">
-            <a:avLst/>
-          </a:prstGeom>
-        </p:spPr>
-      </p:pic>
       <p:sp>
         <p:nvSpPr>
           <p:cNvPr id="2" name="사각형: 둥근 모서리 1">
@@ -15451,36 +15091,6 @@
           </a:p>
         </p:txBody>
       </p:sp>
-      <p:pic>
-        <p:nvPicPr>
-          <p:cNvPr id="9" name="그림 8">
-            <a:extLst>
-              <a:ext uri="{FF2B5EF4-FFF2-40B4-BE49-F238E27FC236}">
-                <a16:creationId xmlns:a16="http://schemas.microsoft.com/office/drawing/2014/main" id="{E99D5D9E-AC46-E539-934B-8C3E5A9B15EE}"/>
-              </a:ext>
-            </a:extLst>
-          </p:cNvPr>
-          <p:cNvPicPr>
-            <a:picLocks noChangeAspect="1"/>
-          </p:cNvPicPr>
-          <p:nvPr/>
-        </p:nvPicPr>
-        <p:blipFill>
-          <a:blip r:embed="rId3"/>
-          <a:stretch>
-            <a:fillRect/>
-          </a:stretch>
-        </p:blipFill>
-        <p:spPr>
-          <a:xfrm>
-            <a:off x="884875" y="2982081"/>
-            <a:ext cx="8957388" cy="2606351"/>
-          </a:xfrm>
-          <a:prstGeom prst="rect">
-            <a:avLst/>
-          </a:prstGeom>
-        </p:spPr>
-      </p:pic>
     </p:spTree>
     <p:custDataLst>
       <p:tags r:id="rId1"/>
@@ -15526,36 +15136,6 @@
           <a:chExt cx="0" cy="0"/>
         </a:xfrm>
       </p:grpSpPr>
-      <p:pic>
-        <p:nvPicPr>
-          <p:cNvPr id="7" name="그림 6">
-            <a:extLst>
-              <a:ext uri="{FF2B5EF4-FFF2-40B4-BE49-F238E27FC236}">
-                <a16:creationId xmlns:a16="http://schemas.microsoft.com/office/drawing/2014/main" id="{1E3791B6-ECB3-D1CA-922B-91063B67B594}"/>
-              </a:ext>
-            </a:extLst>
-          </p:cNvPr>
-          <p:cNvPicPr>
-            <a:picLocks noChangeAspect="1"/>
-          </p:cNvPicPr>
-          <p:nvPr/>
-        </p:nvPicPr>
-        <p:blipFill>
-          <a:blip r:embed="rId3"/>
-          <a:stretch>
-            <a:fillRect/>
-          </a:stretch>
-        </p:blipFill>
-        <p:spPr>
-          <a:xfrm>
-            <a:off x="1654628" y="2322609"/>
-            <a:ext cx="8882743" cy="3943739"/>
-          </a:xfrm>
-          <a:prstGeom prst="rect">
-            <a:avLst/>
-          </a:prstGeom>
-        </p:spPr>
-      </p:pic>
       <p:sp>
         <p:nvSpPr>
           <p:cNvPr id="6" name="직사각형 5">
@@ -19684,36 +19264,6 @@
           <a:chExt cx="0" cy="0"/>
         </a:xfrm>
       </p:grpSpPr>
-      <p:pic>
-        <p:nvPicPr>
-          <p:cNvPr id="8" name="그림 7">
-            <a:extLst>
-              <a:ext uri="{FF2B5EF4-FFF2-40B4-BE49-F238E27FC236}">
-                <a16:creationId xmlns:a16="http://schemas.microsoft.com/office/drawing/2014/main" id="{7B0222B7-D8C0-92D7-FDAE-3891C89EB30C}"/>
-              </a:ext>
-            </a:extLst>
-          </p:cNvPr>
-          <p:cNvPicPr>
-            <a:picLocks noChangeAspect="1"/>
-          </p:cNvPicPr>
-          <p:nvPr/>
-        </p:nvPicPr>
-        <p:blipFill>
-          <a:blip r:embed="rId3"/>
-          <a:stretch>
-            <a:fillRect/>
-          </a:stretch>
-        </p:blipFill>
-        <p:spPr>
-          <a:xfrm>
-            <a:off x="1698919" y="2235292"/>
-            <a:ext cx="8953841" cy="4283124"/>
-          </a:xfrm>
-          <a:prstGeom prst="rect">
-            <a:avLst/>
-          </a:prstGeom>
-        </p:spPr>
-      </p:pic>
       <p:sp>
         <p:nvSpPr>
           <p:cNvPr id="6" name="직사각형 5">
@@ -20828,36 +20378,6 @@
           <a:chExt cx="0" cy="0"/>
         </a:xfrm>
       </p:grpSpPr>
-      <p:pic>
-        <p:nvPicPr>
-          <p:cNvPr id="10" name="그림 9">
-            <a:extLst>
-              <a:ext uri="{FF2B5EF4-FFF2-40B4-BE49-F238E27FC236}">
-                <a16:creationId xmlns:a16="http://schemas.microsoft.com/office/drawing/2014/main" id="{D347B885-7BA6-4D7E-21D7-37D41648B3DE}"/>
-              </a:ext>
-            </a:extLst>
-          </p:cNvPr>
-          <p:cNvPicPr>
-            <a:picLocks noChangeAspect="1"/>
-          </p:cNvPicPr>
-          <p:nvPr/>
-        </p:nvPicPr>
-        <p:blipFill>
-          <a:blip r:embed="rId3"/>
-          <a:stretch>
-            <a:fillRect/>
-          </a:stretch>
-        </p:blipFill>
-        <p:spPr>
-          <a:xfrm>
-            <a:off x="7219738" y="2770632"/>
-            <a:ext cx="4700511" cy="3329660"/>
-          </a:xfrm>
-          <a:prstGeom prst="rect">
-            <a:avLst/>
-          </a:prstGeom>
-        </p:spPr>
-      </p:pic>
       <p:sp>
         <p:nvSpPr>
           <p:cNvPr id="6" name="직사각형 5">
@@ -21862,36 +21382,6 @@
           </a:p>
         </p:txBody>
       </p:sp>
-      <p:pic>
-        <p:nvPicPr>
-          <p:cNvPr id="8" name="그림 7">
-            <a:extLst>
-              <a:ext uri="{FF2B5EF4-FFF2-40B4-BE49-F238E27FC236}">
-                <a16:creationId xmlns:a16="http://schemas.microsoft.com/office/drawing/2014/main" id="{3E719DCE-BAF2-DAE8-18A1-E3D91C4FA50E}"/>
-              </a:ext>
-            </a:extLst>
-          </p:cNvPr>
-          <p:cNvPicPr>
-            <a:picLocks noChangeAspect="1"/>
-          </p:cNvPicPr>
-          <p:nvPr/>
-        </p:nvPicPr>
-        <p:blipFill>
-          <a:blip r:embed="rId4"/>
-          <a:stretch>
-            <a:fillRect/>
-          </a:stretch>
-        </p:blipFill>
-        <p:spPr>
-          <a:xfrm>
-            <a:off x="884875" y="2906846"/>
-            <a:ext cx="5945693" cy="2724539"/>
-          </a:xfrm>
-          <a:prstGeom prst="rect">
-            <a:avLst/>
-          </a:prstGeom>
-        </p:spPr>
-      </p:pic>
     </p:spTree>
     <p:custDataLst>
       <p:tags r:id="rId1"/>
@@ -21937,36 +21427,6 @@
           <a:chExt cx="0" cy="0"/>
         </a:xfrm>
       </p:grpSpPr>
-      <p:pic>
-        <p:nvPicPr>
-          <p:cNvPr id="7" name="그림 6">
-            <a:extLst>
-              <a:ext uri="{FF2B5EF4-FFF2-40B4-BE49-F238E27FC236}">
-                <a16:creationId xmlns:a16="http://schemas.microsoft.com/office/drawing/2014/main" id="{5B914595-1581-064C-BDEB-D705FF07F884}"/>
-              </a:ext>
-            </a:extLst>
-          </p:cNvPr>
-          <p:cNvPicPr>
-            <a:picLocks noChangeAspect="1"/>
-          </p:cNvPicPr>
-          <p:nvPr/>
-        </p:nvPicPr>
-        <p:blipFill>
-          <a:blip r:embed="rId3"/>
-          <a:stretch>
-            <a:fillRect/>
-          </a:stretch>
-        </p:blipFill>
-        <p:spPr>
-          <a:xfrm>
-            <a:off x="1166088" y="2273266"/>
-            <a:ext cx="9806712" cy="3534619"/>
-          </a:xfrm>
-          <a:prstGeom prst="rect">
-            <a:avLst/>
-          </a:prstGeom>
-        </p:spPr>
-      </p:pic>
       <p:sp>
         <p:nvSpPr>
           <p:cNvPr id="6" name="직사각형 5">
@@ -22831,36 +22291,6 @@
           <a:chExt cx="0" cy="0"/>
         </a:xfrm>
       </p:grpSpPr>
-      <p:pic>
-        <p:nvPicPr>
-          <p:cNvPr id="10" name="그림 9">
-            <a:extLst>
-              <a:ext uri="{FF2B5EF4-FFF2-40B4-BE49-F238E27FC236}">
-                <a16:creationId xmlns:a16="http://schemas.microsoft.com/office/drawing/2014/main" id="{7EEE3305-ECC9-1CA1-6037-C2E19EDC7D73}"/>
-              </a:ext>
-            </a:extLst>
-          </p:cNvPr>
-          <p:cNvPicPr>
-            <a:picLocks noChangeAspect="1"/>
-          </p:cNvPicPr>
-          <p:nvPr/>
-        </p:nvPicPr>
-        <p:blipFill>
-          <a:blip r:embed="rId3"/>
-          <a:stretch>
-            <a:fillRect/>
-          </a:stretch>
-        </p:blipFill>
-        <p:spPr>
-          <a:xfrm>
-            <a:off x="6718473" y="1731617"/>
-            <a:ext cx="5399314" cy="4385719"/>
-          </a:xfrm>
-          <a:prstGeom prst="rect">
-            <a:avLst/>
-          </a:prstGeom>
-        </p:spPr>
-      </p:pic>
       <p:sp>
         <p:nvSpPr>
           <p:cNvPr id="6" name="직사각형 5">
@@ -23947,36 +23377,6 @@
           </a:p>
         </p:txBody>
       </p:sp>
-      <p:pic>
-        <p:nvPicPr>
-          <p:cNvPr id="8" name="그림 7">
-            <a:extLst>
-              <a:ext uri="{FF2B5EF4-FFF2-40B4-BE49-F238E27FC236}">
-                <a16:creationId xmlns:a16="http://schemas.microsoft.com/office/drawing/2014/main" id="{3E8EF9FB-DA04-FF74-A627-7C7E542A2F23}"/>
-              </a:ext>
-            </a:extLst>
-          </p:cNvPr>
-          <p:cNvPicPr>
-            <a:picLocks noChangeAspect="1"/>
-          </p:cNvPicPr>
-          <p:nvPr/>
-        </p:nvPicPr>
-        <p:blipFill>
-          <a:blip r:embed="rId4"/>
-          <a:stretch>
-            <a:fillRect/>
-          </a:stretch>
-        </p:blipFill>
-        <p:spPr>
-          <a:xfrm>
-            <a:off x="884874" y="2925276"/>
-            <a:ext cx="5683619" cy="3192060"/>
-          </a:xfrm>
-          <a:prstGeom prst="rect">
-            <a:avLst/>
-          </a:prstGeom>
-        </p:spPr>
-      </p:pic>
     </p:spTree>
     <p:custDataLst>
       <p:tags r:id="rId1"/>
@@ -25026,66 +24426,6 @@
           </a:p>
         </p:txBody>
       </p:sp>
-      <p:pic>
-        <p:nvPicPr>
-          <p:cNvPr id="8" name="그림 7">
-            <a:extLst>
-              <a:ext uri="{FF2B5EF4-FFF2-40B4-BE49-F238E27FC236}">
-                <a16:creationId xmlns:a16="http://schemas.microsoft.com/office/drawing/2014/main" id="{3D7AE790-F7A2-95DD-4957-03A597F71521}"/>
-              </a:ext>
-            </a:extLst>
-          </p:cNvPr>
-          <p:cNvPicPr>
-            <a:picLocks noChangeAspect="1"/>
-          </p:cNvPicPr>
-          <p:nvPr/>
-        </p:nvPicPr>
-        <p:blipFill>
-          <a:blip r:embed="rId3"/>
-          <a:stretch>
-            <a:fillRect/>
-          </a:stretch>
-        </p:blipFill>
-        <p:spPr>
-          <a:xfrm>
-            <a:off x="884874" y="2915393"/>
-            <a:ext cx="5771958" cy="2892490"/>
-          </a:xfrm>
-          <a:prstGeom prst="rect">
-            <a:avLst/>
-          </a:prstGeom>
-        </p:spPr>
-      </p:pic>
-      <p:pic>
-        <p:nvPicPr>
-          <p:cNvPr id="10" name="그림 9">
-            <a:extLst>
-              <a:ext uri="{FF2B5EF4-FFF2-40B4-BE49-F238E27FC236}">
-                <a16:creationId xmlns:a16="http://schemas.microsoft.com/office/drawing/2014/main" id="{0531661E-7DC5-FB70-85ED-2B85C2B7DFBF}"/>
-              </a:ext>
-            </a:extLst>
-          </p:cNvPr>
-          <p:cNvPicPr>
-            <a:picLocks noChangeAspect="1"/>
-          </p:cNvPicPr>
-          <p:nvPr/>
-        </p:nvPicPr>
-        <p:blipFill>
-          <a:blip r:embed="rId4"/>
-          <a:stretch>
-            <a:fillRect/>
-          </a:stretch>
-        </p:blipFill>
-        <p:spPr>
-          <a:xfrm>
-            <a:off x="7046001" y="2011358"/>
-            <a:ext cx="4750530" cy="2880632"/>
-          </a:xfrm>
-          <a:prstGeom prst="rect">
-            <a:avLst/>
-          </a:prstGeom>
-        </p:spPr>
-      </p:pic>
     </p:spTree>
     <p:custDataLst>
       <p:tags r:id="rId1"/>
@@ -25131,36 +24471,6 @@
           <a:chExt cx="0" cy="0"/>
         </a:xfrm>
       </p:grpSpPr>
-      <p:pic>
-        <p:nvPicPr>
-          <p:cNvPr id="12" name="그림 11">
-            <a:extLst>
-              <a:ext uri="{FF2B5EF4-FFF2-40B4-BE49-F238E27FC236}">
-                <a16:creationId xmlns:a16="http://schemas.microsoft.com/office/drawing/2014/main" id="{51954405-8EA9-F4D1-11D7-D6C1CCE3500B}"/>
-              </a:ext>
-            </a:extLst>
-          </p:cNvPr>
-          <p:cNvPicPr>
-            <a:picLocks noChangeAspect="1"/>
-          </p:cNvPicPr>
-          <p:nvPr/>
-        </p:nvPicPr>
-        <p:blipFill>
-          <a:blip r:embed="rId3"/>
-          <a:stretch>
-            <a:fillRect/>
-          </a:stretch>
-        </p:blipFill>
-        <p:spPr>
-          <a:xfrm>
-            <a:off x="1563188" y="2203964"/>
-            <a:ext cx="8882743" cy="3769567"/>
-          </a:xfrm>
-          <a:prstGeom prst="rect">
-            <a:avLst/>
-          </a:prstGeom>
-        </p:spPr>
-      </p:pic>
       <p:sp>
         <p:nvSpPr>
           <p:cNvPr id="6" name="직사각형 5">
@@ -26081,36 +25391,6 @@
           <a:chExt cx="0" cy="0"/>
         </a:xfrm>
       </p:grpSpPr>
-      <p:pic>
-        <p:nvPicPr>
-          <p:cNvPr id="8" name="그림 7">
-            <a:extLst>
-              <a:ext uri="{FF2B5EF4-FFF2-40B4-BE49-F238E27FC236}">
-                <a16:creationId xmlns:a16="http://schemas.microsoft.com/office/drawing/2014/main" id="{336C2F5D-C107-AF4E-1D95-ED16CD78A984}"/>
-              </a:ext>
-            </a:extLst>
-          </p:cNvPr>
-          <p:cNvPicPr>
-            <a:picLocks noChangeAspect="1"/>
-          </p:cNvPicPr>
-          <p:nvPr/>
-        </p:nvPicPr>
-        <p:blipFill>
-          <a:blip r:embed="rId3"/>
-          <a:stretch>
-            <a:fillRect/>
-          </a:stretch>
-        </p:blipFill>
-        <p:spPr>
-          <a:xfrm>
-            <a:off x="1609655" y="2008360"/>
-            <a:ext cx="8808098" cy="4397829"/>
-          </a:xfrm>
-          <a:prstGeom prst="rect">
-            <a:avLst/>
-          </a:prstGeom>
-        </p:spPr>
-      </p:pic>
       <p:sp>
         <p:nvSpPr>
           <p:cNvPr id="6" name="직사각형 5">
@@ -26975,36 +26255,6 @@
           <a:chExt cx="0" cy="0"/>
         </a:xfrm>
       </p:grpSpPr>
-      <p:pic>
-        <p:nvPicPr>
-          <p:cNvPr id="7" name="그림 6">
-            <a:extLst>
-              <a:ext uri="{FF2B5EF4-FFF2-40B4-BE49-F238E27FC236}">
-                <a16:creationId xmlns:a16="http://schemas.microsoft.com/office/drawing/2014/main" id="{2507C03B-CD2D-76E8-7B57-E3CFF3104F37}"/>
-              </a:ext>
-            </a:extLst>
-          </p:cNvPr>
-          <p:cNvPicPr>
-            <a:picLocks noChangeAspect="1"/>
-          </p:cNvPicPr>
-          <p:nvPr/>
-        </p:nvPicPr>
-        <p:blipFill>
-          <a:blip r:embed="rId3"/>
-          <a:stretch>
-            <a:fillRect/>
-          </a:stretch>
-        </p:blipFill>
-        <p:spPr>
-          <a:xfrm>
-            <a:off x="1704392" y="2145469"/>
-            <a:ext cx="8783216" cy="4372947"/>
-          </a:xfrm>
-          <a:prstGeom prst="rect">
-            <a:avLst/>
-          </a:prstGeom>
-        </p:spPr>
-      </p:pic>
       <p:sp>
         <p:nvSpPr>
           <p:cNvPr id="6" name="직사각형 5">
@@ -30710,7 +29960,7 @@
           <p:nvPr>
             <p:extLst>
               <p:ext uri="{D42A27DB-BD31-4B8C-83A1-F6EECF244321}">
-                <p14:modId xmlns:p14="http://schemas.microsoft.com/office/powerpoint/2010/main" val="2305874752"/>
+                <p14:modId xmlns:p14="http://schemas.microsoft.com/office/powerpoint/2010/main" val="2000922947"/>
               </p:ext>
             </p:extLst>
           </p:nvPr>
@@ -31080,7 +30330,7 @@
                           <a:latin typeface="Noto Sans KR" panose="020B0500000000000000" pitchFamily="34" charset="-127"/>
                           <a:ea typeface="Noto Sans KR" panose="020B0500000000000000" pitchFamily="34" charset="-127"/>
                         </a:rPr>
-                        <a:t>업무일지 관리</a:t>
+                        <a:t>접속 로그 및 에러 저장 로직 추가 </a:t>
                       </a:r>
                       <a:endParaRPr lang="ko-KR" altLang="en-US" sz="1200" kern="1200" spc="-150" dirty="0">
                         <a:solidFill>
@@ -31157,7 +30407,7 @@
                           <a:latin typeface="Noto Sans KR" panose="020B0500000000000000" pitchFamily="34" charset="-127"/>
                           <a:ea typeface="Noto Sans KR" panose="020B0500000000000000" pitchFamily="34" charset="-127"/>
                         </a:rPr>
-                        <a:t>업무일지 상세 검색 화면 추가</a:t>
+                        <a:t>화면 접속 로그 및 에러 발생 시 에러 내용 저장</a:t>
                       </a:r>
                       <a:endParaRPr lang="ko-KR" altLang="en-US" sz="1200" kern="1200" spc="-150" dirty="0">
                         <a:solidFill>
@@ -31391,7 +30641,7 @@
                           <a:latin typeface="Noto Sans KR" panose="020B0500000000000000" pitchFamily="34" charset="-127"/>
                           <a:ea typeface="Noto Sans KR" panose="020B0500000000000000" pitchFamily="34" charset="-127"/>
                         </a:rPr>
-                        <a:t>부서 연계 기능 추가</a:t>
+                        <a:t>특정 파일을 읽어 인사 정보를 처리하는 배치 추가</a:t>
                       </a:r>
                       <a:endParaRPr lang="ko-KR" altLang="en-US" sz="1200" kern="1200" spc="-150" dirty="0">
                         <a:solidFill>
@@ -31701,6 +30951,16 @@
                           <a:spcPct val="120000"/>
                         </a:lnSpc>
                       </a:pPr>
+                      <a:r>
+                        <a:rPr lang="en-US" altLang="ko-KR" sz="1200" kern="1200" spc="-150">
+                          <a:solidFill>
+                            <a:schemeClr val="tx1"/>
+                          </a:solidFill>
+                          <a:latin typeface="Noto Sans KR" panose="020B0500000000000000" pitchFamily="34" charset="-127"/>
+                          <a:ea typeface="Noto Sans KR" panose="020B0500000000000000" pitchFamily="34" charset="-127"/>
+                        </a:rPr>
+                        <a:t>4</a:t>
+                      </a:r>
                       <a:endParaRPr lang="ko-KR" altLang="en-US" sz="1200" kern="1200" spc="-150" dirty="0">
                         <a:solidFill>
                           <a:schemeClr val="tx1"/>
@@ -31764,6 +31024,16 @@
                           <a:spcPct val="120000"/>
                         </a:lnSpc>
                       </a:pPr>
+                      <a:r>
+                        <a:rPr lang="ko-KR" altLang="en-US" sz="1200" kern="1200" spc="-150">
+                          <a:solidFill>
+                            <a:schemeClr val="tx1"/>
+                          </a:solidFill>
+                          <a:latin typeface="Noto Sans KR" panose="020B0500000000000000" pitchFamily="34" charset="-127"/>
+                          <a:ea typeface="Noto Sans KR" panose="020B0500000000000000" pitchFamily="34" charset="-127"/>
+                        </a:rPr>
+                        <a:t>결재 로직 개선</a:t>
+                      </a:r>
                       <a:endParaRPr lang="ko-KR" altLang="en-US" sz="1200" kern="1200" spc="-150" dirty="0">
                         <a:solidFill>
                           <a:schemeClr val="tx1"/>
@@ -31831,6 +31101,26 @@
                           <a:spcPct val="120000"/>
                         </a:lnSpc>
                       </a:pPr>
+                      <a:r>
+                        <a:rPr lang="en-US" altLang="ko-KR" sz="1200" kern="1200" spc="-150">
+                          <a:solidFill>
+                            <a:schemeClr val="tx1"/>
+                          </a:solidFill>
+                          <a:latin typeface="Noto Sans KR" panose="020B0500000000000000" pitchFamily="34" charset="-127"/>
+                          <a:ea typeface="Noto Sans KR" panose="020B0500000000000000" pitchFamily="34" charset="-127"/>
+                        </a:rPr>
+                        <a:t>DB</a:t>
+                      </a:r>
+                      <a:r>
+                        <a:rPr lang="ko-KR" altLang="en-US" sz="1200" kern="1200" spc="-150">
+                          <a:solidFill>
+                            <a:schemeClr val="tx1"/>
+                          </a:solidFill>
+                          <a:latin typeface="Noto Sans KR" panose="020B0500000000000000" pitchFamily="34" charset="-127"/>
+                          <a:ea typeface="Noto Sans KR" panose="020B0500000000000000" pitchFamily="34" charset="-127"/>
+                        </a:rPr>
+                        <a:t> 데이터를 기반으로 작동하는 결재 기능으로 수정</a:t>
+                      </a:r>
                       <a:endParaRPr lang="ko-KR" altLang="en-US" sz="1200" kern="1200" spc="-150" dirty="0">
                         <a:solidFill>
                           <a:schemeClr val="tx1"/>
